--- a/UmaTeachingMaterial/CSS/CSS-Interview-QA-Intellipaat.pptx
+++ b/UmaTeachingMaterial/CSS/CSS-Interview-QA-Intellipaat.pptx
@@ -346,7 +346,7 @@
           <a:p>
             <a:fld id="{2D1FB5FC-1629-4A0D-9573-785FAC7ED015}" type="datetimeFigureOut">
               <a:rPr lang="en-US" smtClean="0"/>
-              <a:t>2/22/2026</a:t>
+              <a:t>2/24/2026</a:t>
             </a:fld>
             <a:endParaRPr lang="en-US"/>
           </a:p>
@@ -516,7 +516,7 @@
           <a:p>
             <a:fld id="{2D1FB5FC-1629-4A0D-9573-785FAC7ED015}" type="datetimeFigureOut">
               <a:rPr lang="en-US" smtClean="0"/>
-              <a:t>2/22/2026</a:t>
+              <a:t>2/24/2026</a:t>
             </a:fld>
             <a:endParaRPr lang="en-US"/>
           </a:p>
@@ -696,7 +696,7 @@
           <a:p>
             <a:fld id="{2D1FB5FC-1629-4A0D-9573-785FAC7ED015}" type="datetimeFigureOut">
               <a:rPr lang="en-US" smtClean="0"/>
-              <a:t>2/22/2026</a:t>
+              <a:t>2/24/2026</a:t>
             </a:fld>
             <a:endParaRPr lang="en-US"/>
           </a:p>
@@ -866,7 +866,7 @@
           <a:p>
             <a:fld id="{2D1FB5FC-1629-4A0D-9573-785FAC7ED015}" type="datetimeFigureOut">
               <a:rPr lang="en-US" smtClean="0"/>
-              <a:t>2/22/2026</a:t>
+              <a:t>2/24/2026</a:t>
             </a:fld>
             <a:endParaRPr lang="en-US"/>
           </a:p>
@@ -1112,7 +1112,7 @@
           <a:p>
             <a:fld id="{2D1FB5FC-1629-4A0D-9573-785FAC7ED015}" type="datetimeFigureOut">
               <a:rPr lang="en-US" smtClean="0"/>
-              <a:t>2/22/2026</a:t>
+              <a:t>2/24/2026</a:t>
             </a:fld>
             <a:endParaRPr lang="en-US"/>
           </a:p>
@@ -1344,7 +1344,7 @@
           <a:p>
             <a:fld id="{2D1FB5FC-1629-4A0D-9573-785FAC7ED015}" type="datetimeFigureOut">
               <a:rPr lang="en-US" smtClean="0"/>
-              <a:t>2/22/2026</a:t>
+              <a:t>2/24/2026</a:t>
             </a:fld>
             <a:endParaRPr lang="en-US"/>
           </a:p>
@@ -1711,7 +1711,7 @@
           <a:p>
             <a:fld id="{2D1FB5FC-1629-4A0D-9573-785FAC7ED015}" type="datetimeFigureOut">
               <a:rPr lang="en-US" smtClean="0"/>
-              <a:t>2/22/2026</a:t>
+              <a:t>2/24/2026</a:t>
             </a:fld>
             <a:endParaRPr lang="en-US"/>
           </a:p>
@@ -1829,7 +1829,7 @@
           <a:p>
             <a:fld id="{2D1FB5FC-1629-4A0D-9573-785FAC7ED015}" type="datetimeFigureOut">
               <a:rPr lang="en-US" smtClean="0"/>
-              <a:t>2/22/2026</a:t>
+              <a:t>2/24/2026</a:t>
             </a:fld>
             <a:endParaRPr lang="en-US"/>
           </a:p>
@@ -1924,7 +1924,7 @@
           <a:p>
             <a:fld id="{2D1FB5FC-1629-4A0D-9573-785FAC7ED015}" type="datetimeFigureOut">
               <a:rPr lang="en-US" smtClean="0"/>
-              <a:t>2/22/2026</a:t>
+              <a:t>2/24/2026</a:t>
             </a:fld>
             <a:endParaRPr lang="en-US"/>
           </a:p>
@@ -2201,7 +2201,7 @@
           <a:p>
             <a:fld id="{2D1FB5FC-1629-4A0D-9573-785FAC7ED015}" type="datetimeFigureOut">
               <a:rPr lang="en-US" smtClean="0"/>
-              <a:t>2/22/2026</a:t>
+              <a:t>2/24/2026</a:t>
             </a:fld>
             <a:endParaRPr lang="en-US"/>
           </a:p>
@@ -2458,7 +2458,7 @@
           <a:p>
             <a:fld id="{2D1FB5FC-1629-4A0D-9573-785FAC7ED015}" type="datetimeFigureOut">
               <a:rPr lang="en-US" smtClean="0"/>
-              <a:t>2/22/2026</a:t>
+              <a:t>2/24/2026</a:t>
             </a:fld>
             <a:endParaRPr lang="en-US"/>
           </a:p>
@@ -2671,7 +2671,7 @@
           <a:p>
             <a:fld id="{2D1FB5FC-1629-4A0D-9573-785FAC7ED015}" type="datetimeFigureOut">
               <a:rPr lang="en-US" smtClean="0"/>
-              <a:t>2/22/2026</a:t>
+              <a:t>2/24/2026</a:t>
             </a:fld>
             <a:endParaRPr lang="en-US"/>
           </a:p>
@@ -3090,8 +3090,8 @@
         </p:nvSpPr>
         <p:spPr>
           <a:xfrm>
-            <a:off x="2477069" y="-4737773"/>
-            <a:ext cx="4954136" cy="16340371"/>
+            <a:off x="243840" y="187087"/>
+            <a:ext cx="9093200" cy="6483826"/>
           </a:xfrm>
           <a:prstGeom prst="rect">
             <a:avLst/>
@@ -3105,9 +3105,6 @@
           <a:lstStyle/>
           <a:p>
             <a:pPr algn="l">
-              <a:lnSpc>
-                <a:spcPts val="2100"/>
-              </a:lnSpc>
               <a:spcBef>
                 <a:spcPts val="2400"/>
               </a:spcBef>
@@ -3117,7 +3114,7 @@
               <a:buNone/>
             </a:pPr>
             <a:r>
-              <a:rPr lang="en-US" b="0" i="0" dirty="0">
+              <a:rPr lang="en-US" sz="1200" b="0" i="0" dirty="0">
                 <a:solidFill>
                   <a:srgbClr val="272C37"/>
                 </a:solidFill>
@@ -3129,9 +3126,6 @@
           </a:p>
           <a:p>
             <a:pPr algn="just">
-              <a:lnSpc>
-                <a:spcPts val="2100"/>
-              </a:lnSpc>
               <a:spcBef>
                 <a:spcPts val="1650"/>
               </a:spcBef>
@@ -3142,7 +3136,7 @@
               <a:buChar char="•"/>
             </a:pPr>
             <a:r>
-              <a:rPr lang="en-US" b="0" i="0" dirty="0">
+              <a:rPr lang="en-US" sz="1200" b="0" i="0" dirty="0">
                 <a:solidFill>
                   <a:srgbClr val="3A3A3A"/>
                 </a:solidFill>
@@ -3154,9 +3148,6 @@
           </a:p>
           <a:p>
             <a:pPr algn="just">
-              <a:lnSpc>
-                <a:spcPts val="2100"/>
-              </a:lnSpc>
               <a:spcBef>
                 <a:spcPts val="1650"/>
               </a:spcBef>
@@ -3167,7 +3158,7 @@
               <a:buChar char="•"/>
             </a:pPr>
             <a:r>
-              <a:rPr lang="en-US" b="0" i="0" dirty="0">
+              <a:rPr lang="en-US" sz="1200" b="0" i="0" dirty="0">
                 <a:solidFill>
                   <a:srgbClr val="3A3A3A"/>
                 </a:solidFill>
@@ -3179,9 +3170,6 @@
           </a:p>
           <a:p>
             <a:pPr algn="just">
-              <a:lnSpc>
-                <a:spcPts val="2100"/>
-              </a:lnSpc>
               <a:spcBef>
                 <a:spcPts val="1650"/>
               </a:spcBef>
@@ -3192,7 +3180,7 @@
               <a:buChar char="•"/>
             </a:pPr>
             <a:r>
-              <a:rPr lang="en-US" b="0" i="0" dirty="0">
+              <a:rPr lang="en-US" sz="1200" b="0" i="0" dirty="0">
                 <a:solidFill>
                   <a:srgbClr val="3A3A3A"/>
                 </a:solidFill>
@@ -3204,9 +3192,6 @@
           </a:p>
           <a:p>
             <a:pPr algn="just">
-              <a:lnSpc>
-                <a:spcPts val="2100"/>
-              </a:lnSpc>
               <a:spcBef>
                 <a:spcPts val="1650"/>
               </a:spcBef>
@@ -3217,7 +3202,7 @@
               <a:buChar char="•"/>
             </a:pPr>
             <a:r>
-              <a:rPr lang="en-US" b="0" i="0" dirty="0">
+              <a:rPr lang="en-US" sz="1200" b="0" i="0" dirty="0">
                 <a:solidFill>
                   <a:srgbClr val="3A3A3A"/>
                 </a:solidFill>
@@ -3229,9 +3214,6 @@
           </a:p>
           <a:p>
             <a:pPr algn="just">
-              <a:lnSpc>
-                <a:spcPts val="2100"/>
-              </a:lnSpc>
               <a:spcBef>
                 <a:spcPts val="1650"/>
               </a:spcBef>
@@ -3242,7 +3224,7 @@
               <a:buChar char="•"/>
             </a:pPr>
             <a:r>
-              <a:rPr lang="en-US" b="0" i="0" dirty="0">
+              <a:rPr lang="en-US" sz="1200" b="0" i="0" dirty="0">
                 <a:solidFill>
                   <a:srgbClr val="3A3A3A"/>
                 </a:solidFill>
@@ -3252,7 +3234,7 @@
               <a:t>Foundation: Foundation is a responsive front-end CSS framework developed by </a:t>
             </a:r>
             <a:r>
-              <a:rPr lang="en-US" b="0" i="0" dirty="0" err="1">
+              <a:rPr lang="en-US" sz="1200" b="0" i="0" dirty="0" err="1">
                 <a:solidFill>
                   <a:srgbClr val="3A3A3A"/>
                 </a:solidFill>
@@ -3262,7 +3244,7 @@
               <a:t>Zurb</a:t>
             </a:r>
             <a:r>
-              <a:rPr lang="en-US" b="0" i="0" dirty="0">
+              <a:rPr lang="en-US" sz="1200" b="0" i="0" dirty="0">
                 <a:solidFill>
                   <a:srgbClr val="3A3A3A"/>
                 </a:solidFill>
@@ -3274,9 +3256,6 @@
           </a:p>
           <a:p>
             <a:pPr algn="just">
-              <a:lnSpc>
-                <a:spcPts val="2100"/>
-              </a:lnSpc>
               <a:spcBef>
                 <a:spcPts val="1650"/>
               </a:spcBef>
@@ -3287,7 +3266,7 @@
               <a:buChar char="•"/>
             </a:pPr>
             <a:r>
-              <a:rPr lang="en-US" b="0" i="0" dirty="0">
+              <a:rPr lang="en-US" sz="1200" b="0" i="0" dirty="0">
                 <a:solidFill>
                   <a:srgbClr val="3A3A3A"/>
                 </a:solidFill>
@@ -3299,9 +3278,6 @@
           </a:p>
           <a:p>
             <a:pPr algn="just">
-              <a:lnSpc>
-                <a:spcPts val="2100"/>
-              </a:lnSpc>
               <a:spcBef>
                 <a:spcPts val="1650"/>
               </a:spcBef>
@@ -3312,7 +3288,7 @@
               <a:buChar char="•"/>
             </a:pPr>
             <a:r>
-              <a:rPr lang="en-US" b="0" i="0" dirty="0" err="1">
+              <a:rPr lang="en-US" sz="1200" b="0" i="0" dirty="0" err="1">
                 <a:solidFill>
                   <a:srgbClr val="3A3A3A"/>
                 </a:solidFill>
@@ -3322,7 +3298,7 @@
               <a:t>UIkit</a:t>
             </a:r>
             <a:r>
-              <a:rPr lang="en-US" b="0" i="0" dirty="0">
+              <a:rPr lang="en-US" sz="1200" b="0" i="0" dirty="0">
                 <a:solidFill>
                   <a:srgbClr val="3A3A3A"/>
                 </a:solidFill>
@@ -3332,7 +3308,7 @@
               <a:t>: </a:t>
             </a:r>
             <a:r>
-              <a:rPr lang="en-US" b="0" i="0" dirty="0" err="1">
+              <a:rPr lang="en-US" sz="1200" b="0" i="0" dirty="0" err="1">
                 <a:solidFill>
                   <a:srgbClr val="3A3A3A"/>
                 </a:solidFill>
@@ -3342,7 +3318,7 @@
               <a:t>UIkit</a:t>
             </a:r>
             <a:r>
-              <a:rPr lang="en-US" b="0" i="0" dirty="0">
+              <a:rPr lang="en-US" sz="1200" b="0" i="0" dirty="0">
                 <a:solidFill>
                   <a:srgbClr val="3A3A3A"/>
                 </a:solidFill>
@@ -3354,9 +3330,6 @@
           </a:p>
           <a:p>
             <a:pPr algn="just">
-              <a:lnSpc>
-                <a:spcPts val="2100"/>
-              </a:lnSpc>
               <a:spcBef>
                 <a:spcPts val="1650"/>
               </a:spcBef>
@@ -3367,7 +3340,7 @@
               <a:buChar char="•"/>
             </a:pPr>
             <a:r>
-              <a:rPr lang="en-US" b="0" i="0" dirty="0">
+              <a:rPr lang="en-US" sz="1200" b="0" i="0" dirty="0">
                 <a:solidFill>
                   <a:srgbClr val="3A3A3A"/>
                 </a:solidFill>
